--- a/doc/Présentation.pptx
+++ b/doc/Présentation.pptx
@@ -41889,7 +41889,7 @@
         <p:spPr>
           <a:xfrm>
             <a:off x="574510" y="1626330"/>
-            <a:ext cx="5782352" cy="2975173"/>
+            <a:ext cx="5069016" cy="2482731"/>
           </a:xfrm>
           <a:prstGeom prst="rect">
             <a:avLst/>
@@ -41979,6 +41979,26 @@
               <a:buChar char="•"/>
             </a:pPr>
             <a:r>
+              <a:rPr lang="fr-CH" sz="1600" i="1" dirty="0" err="1">
+                <a:solidFill>
+                  <a:schemeClr val="bg1"/>
+                </a:solidFill>
+                <a:latin typeface="Roboto Light" panose="02000000000000000000" pitchFamily="2" charset="0"/>
+                <a:ea typeface="Roboto Light" panose="02000000000000000000" pitchFamily="2" charset="0"/>
+              </a:rPr>
+              <a:t>Database</a:t>
+            </a:r>
+            <a:r>
+              <a:rPr lang="fr-CH" sz="1600" i="1" dirty="0">
+                <a:solidFill>
+                  <a:schemeClr val="bg1"/>
+                </a:solidFill>
+                <a:latin typeface="Roboto Light" panose="02000000000000000000" pitchFamily="2" charset="0"/>
+                <a:ea typeface="Roboto Light" panose="02000000000000000000" pitchFamily="2" charset="0"/>
+              </a:rPr>
+              <a:t> first</a:t>
+            </a:r>
+            <a:r>
               <a:rPr lang="fr-CH" sz="1600" dirty="0">
                 <a:solidFill>
                   <a:schemeClr val="bg1"/>
@@ -41986,8 +42006,25 @@
                 <a:latin typeface="Roboto Light" panose="02000000000000000000" pitchFamily="2" charset="0"/>
                 <a:ea typeface="Roboto Light" panose="02000000000000000000" pitchFamily="2" charset="0"/>
               </a:rPr>
-              <a:t>Modèles générés depuis une BDD existante ou inversement</a:t>
+              <a:t> ou </a:t>
             </a:r>
+            <a:r>
+              <a:rPr lang="fr-CH" sz="1600" i="1">
+                <a:solidFill>
+                  <a:schemeClr val="bg1"/>
+                </a:solidFill>
+                <a:latin typeface="Roboto Light" panose="02000000000000000000" pitchFamily="2" charset="0"/>
+                <a:ea typeface="Roboto Light" panose="02000000000000000000" pitchFamily="2" charset="0"/>
+              </a:rPr>
+              <a:t>code first</a:t>
+            </a:r>
+            <a:endParaRPr lang="fr-CH" sz="1600" i="1" dirty="0">
+              <a:solidFill>
+                <a:schemeClr val="bg1"/>
+              </a:solidFill>
+              <a:latin typeface="Roboto Light" panose="02000000000000000000" pitchFamily="2" charset="0"/>
+              <a:ea typeface="Roboto Light" panose="02000000000000000000" pitchFamily="2" charset="0"/>
+            </a:endParaRPr>
           </a:p>
           <a:p>
             <a:pPr marL="285750" indent="-285750">
@@ -42009,28 +42046,6 @@
                 <a:ea typeface="Roboto Light" panose="02000000000000000000" pitchFamily="2" charset="0"/>
               </a:rPr>
               <a:t>Abstraction élevée</a:t>
-            </a:r>
-          </a:p>
-          <a:p>
-            <a:pPr marL="285750" indent="-285750">
-              <a:lnSpc>
-                <a:spcPct val="200000"/>
-              </a:lnSpc>
-              <a:buClr>
-                <a:schemeClr val="bg1"/>
-              </a:buClr>
-              <a:buFont typeface="Arial" panose="020B0604020202020204" pitchFamily="34" charset="0"/>
-              <a:buChar char="•"/>
-            </a:pPr>
-            <a:r>
-              <a:rPr lang="fr-CH" sz="1600" dirty="0">
-                <a:solidFill>
-                  <a:schemeClr val="bg1"/>
-                </a:solidFill>
-                <a:latin typeface="Roboto Light" panose="02000000000000000000" pitchFamily="2" charset="0"/>
-                <a:ea typeface="Roboto Light" panose="02000000000000000000" pitchFamily="2" charset="0"/>
-              </a:rPr>
-              <a:t>Requêtes LINQ</a:t>
             </a:r>
           </a:p>
         </p:txBody>

--- a/doc/Présentation.pptx
+++ b/doc/Présentation.pptx
@@ -20642,7 +20642,7 @@
             </a:pPr>
             <a:r>
               <a:rPr lang="es" dirty="0"/>
-              <a:t>CONCLUSION ET PERSPECTIVES</a:t>
+              <a:t>LIMITATIONS, CONCLUSION ET PERSPECTIVES</a:t>
             </a:r>
             <a:endParaRPr dirty="0"/>
           </a:p>

--- a/doc/Présentation.pptx
+++ b/doc/Présentation.pptx
@@ -18,8 +18,8 @@
     <p:sldId id="268" r:id="rId6"/>
     <p:sldId id="295" r:id="rId7"/>
     <p:sldId id="297" r:id="rId8"/>
-    <p:sldId id="298" r:id="rId9"/>
-    <p:sldId id="299" r:id="rId10"/>
+    <p:sldId id="299" r:id="rId9"/>
+    <p:sldId id="298" r:id="rId10"/>
     <p:sldId id="262" r:id="rId11"/>
     <p:sldId id="269" r:id="rId12"/>
     <p:sldId id="272" r:id="rId13"/>
@@ -2181,7 +2181,7 @@
     </p:spTree>
     <p:extLst>
       <p:ext uri="{BB962C8B-B14F-4D97-AF65-F5344CB8AC3E}">
-        <p14:creationId xmlns:p14="http://schemas.microsoft.com/office/powerpoint/2010/main" val="1727810623"/>
+        <p14:creationId xmlns:p14="http://schemas.microsoft.com/office/powerpoint/2010/main" val="3651356088"/>
       </p:ext>
     </p:extLst>
   </p:cSld>
@@ -2290,7 +2290,7 @@
     </p:spTree>
     <p:extLst>
       <p:ext uri="{BB962C8B-B14F-4D97-AF65-F5344CB8AC3E}">
-        <p14:creationId xmlns:p14="http://schemas.microsoft.com/office/powerpoint/2010/main" val="3651356088"/>
+        <p14:creationId xmlns:p14="http://schemas.microsoft.com/office/powerpoint/2010/main" val="1727810623"/>
       </p:ext>
     </p:extLst>
   </p:cSld>
@@ -50049,529 +50049,6 @@
         <p:spPr>
           <a:xfrm>
             <a:off x="574510" y="1626330"/>
-            <a:ext cx="1915909" cy="1990288"/>
-          </a:xfrm>
-          <a:prstGeom prst="rect">
-            <a:avLst/>
-          </a:prstGeom>
-          <a:noFill/>
-        </p:spPr>
-        <p:txBody>
-          <a:bodyPr wrap="none" rtlCol="0">
-            <a:spAutoFit/>
-          </a:bodyPr>
-          <a:lstStyle/>
-          <a:p>
-            <a:pPr marL="285750" indent="-285750">
-              <a:lnSpc>
-                <a:spcPct val="200000"/>
-              </a:lnSpc>
-              <a:buClr>
-                <a:schemeClr val="bg1"/>
-              </a:buClr>
-              <a:buFont typeface="Arial" panose="020B0604020202020204" pitchFamily="34" charset="0"/>
-              <a:buChar char="•"/>
-            </a:pPr>
-            <a:r>
-              <a:rPr lang="fr-CH" sz="1600" dirty="0">
-                <a:solidFill>
-                  <a:schemeClr val="bg1"/>
-                </a:solidFill>
-                <a:latin typeface="Roboto Light" panose="02000000000000000000" pitchFamily="2" charset="0"/>
-                <a:ea typeface="Roboto Light" panose="02000000000000000000" pitchFamily="2" charset="0"/>
-              </a:rPr>
-              <a:t>Service de mail</a:t>
-            </a:r>
-          </a:p>
-          <a:p>
-            <a:pPr marL="285750" indent="-285750">
-              <a:lnSpc>
-                <a:spcPct val="200000"/>
-              </a:lnSpc>
-              <a:buClr>
-                <a:schemeClr val="bg1"/>
-              </a:buClr>
-              <a:buFont typeface="Arial" panose="020B0604020202020204" pitchFamily="34" charset="0"/>
-              <a:buChar char="•"/>
-            </a:pPr>
-            <a:r>
-              <a:rPr lang="fr-CH" sz="1600" dirty="0">
-                <a:solidFill>
-                  <a:schemeClr val="bg1"/>
-                </a:solidFill>
-                <a:latin typeface="Roboto Light" panose="02000000000000000000" pitchFamily="2" charset="0"/>
-                <a:ea typeface="Roboto Light" panose="02000000000000000000" pitchFamily="2" charset="0"/>
-              </a:rPr>
-              <a:t>Imagekit.io</a:t>
-            </a:r>
-          </a:p>
-          <a:p>
-            <a:pPr marL="285750" indent="-285750">
-              <a:lnSpc>
-                <a:spcPct val="200000"/>
-              </a:lnSpc>
-              <a:buClr>
-                <a:schemeClr val="bg1"/>
-              </a:buClr>
-              <a:buFont typeface="Arial" panose="020B0604020202020204" pitchFamily="34" charset="0"/>
-              <a:buChar char="•"/>
-            </a:pPr>
-            <a:r>
-              <a:rPr lang="fr-CH" sz="1600" dirty="0">
-                <a:solidFill>
-                  <a:schemeClr val="bg1"/>
-                </a:solidFill>
-                <a:latin typeface="Roboto Light" panose="02000000000000000000" pitchFamily="2" charset="0"/>
-                <a:ea typeface="Roboto Light" panose="02000000000000000000" pitchFamily="2" charset="0"/>
-              </a:rPr>
-              <a:t>Extensions</a:t>
-            </a:r>
-          </a:p>
-          <a:p>
-            <a:pPr marL="285750" indent="-285750">
-              <a:lnSpc>
-                <a:spcPct val="200000"/>
-              </a:lnSpc>
-              <a:buClr>
-                <a:schemeClr val="bg1"/>
-              </a:buClr>
-              <a:buFont typeface="Arial" panose="020B0604020202020204" pitchFamily="34" charset="0"/>
-              <a:buChar char="•"/>
-            </a:pPr>
-            <a:r>
-              <a:rPr lang="fr-CH" sz="1600" dirty="0">
-                <a:solidFill>
-                  <a:schemeClr val="bg1"/>
-                </a:solidFill>
-                <a:latin typeface="Roboto Light" panose="02000000000000000000" pitchFamily="2" charset="0"/>
-                <a:ea typeface="Roboto Light" panose="02000000000000000000" pitchFamily="2" charset="0"/>
-              </a:rPr>
-              <a:t>Service de </a:t>
-            </a:r>
-            <a:r>
-              <a:rPr lang="fr-CH" sz="1600" dirty="0" err="1">
-                <a:solidFill>
-                  <a:schemeClr val="bg1"/>
-                </a:solidFill>
-                <a:latin typeface="Roboto Light" panose="02000000000000000000" pitchFamily="2" charset="0"/>
-                <a:ea typeface="Roboto Light" panose="02000000000000000000" pitchFamily="2" charset="0"/>
-              </a:rPr>
-              <a:t>timer</a:t>
-            </a:r>
-            <a:endParaRPr lang="fr-CH" sz="1600" dirty="0">
-              <a:solidFill>
-                <a:schemeClr val="bg1"/>
-              </a:solidFill>
-              <a:latin typeface="Roboto Light" panose="02000000000000000000" pitchFamily="2" charset="0"/>
-              <a:ea typeface="Roboto Light" panose="02000000000000000000" pitchFamily="2" charset="0"/>
-            </a:endParaRPr>
-          </a:p>
-        </p:txBody>
-      </p:sp>
-      <p:sp>
-        <p:nvSpPr>
-          <p:cNvPr id="13" name="Google Shape;275;p25">
-            <a:extLst>
-              <a:ext uri="{FF2B5EF4-FFF2-40B4-BE49-F238E27FC236}">
-                <a16:creationId xmlns:a16="http://schemas.microsoft.com/office/drawing/2014/main" id="{2994E3C9-F746-AFFF-36D3-EB172F1434A3}"/>
-              </a:ext>
-            </a:extLst>
-          </p:cNvPr>
-          <p:cNvSpPr txBox="1">
-            <a:spLocks/>
-          </p:cNvSpPr>
-          <p:nvPr/>
-        </p:nvSpPr>
-        <p:spPr>
-          <a:xfrm>
-            <a:off x="311700" y="644550"/>
-            <a:ext cx="8520600" cy="606600"/>
-          </a:xfrm>
-          <a:prstGeom prst="rect">
-            <a:avLst/>
-          </a:prstGeom>
-        </p:spPr>
-        <p:txBody>
-          <a:bodyPr spcFirstLastPara="1" wrap="square" lIns="91425" tIns="91425" rIns="91425" bIns="91425" anchor="b" anchorCtr="0">
-            <a:noAutofit/>
-          </a:bodyPr>
-          <a:lstStyle>
-            <a:defPPr marR="0" lvl="0" algn="l" rtl="0">
-              <a:lnSpc>
-                <a:spcPct val="100000"/>
-              </a:lnSpc>
-              <a:spcBef>
-                <a:spcPts val="0"/>
-              </a:spcBef>
-              <a:spcAft>
-                <a:spcPts val="0"/>
-              </a:spcAft>
-            </a:defPPr>
-            <a:lvl1pPr marR="0" lvl="0" algn="l" rtl="0">
-              <a:lnSpc>
-                <a:spcPct val="100000"/>
-              </a:lnSpc>
-              <a:spcBef>
-                <a:spcPts val="0"/>
-              </a:spcBef>
-              <a:spcAft>
-                <a:spcPts val="0"/>
-              </a:spcAft>
-              <a:buClr>
-                <a:srgbClr val="000000"/>
-              </a:buClr>
-              <a:buFont typeface="Arial"/>
-              <a:defRPr sz="1400" b="0" i="0" u="none" strike="noStrike" cap="none">
-                <a:solidFill>
-                  <a:srgbClr val="000000"/>
-                </a:solidFill>
-                <a:latin typeface="Arial"/>
-                <a:ea typeface="Arial"/>
-                <a:cs typeface="Arial"/>
-                <a:sym typeface="Arial"/>
-              </a:defRPr>
-            </a:lvl1pPr>
-            <a:lvl2pPr marR="0" lvl="1" algn="l" rtl="0">
-              <a:lnSpc>
-                <a:spcPct val="100000"/>
-              </a:lnSpc>
-              <a:spcBef>
-                <a:spcPts val="0"/>
-              </a:spcBef>
-              <a:spcAft>
-                <a:spcPts val="0"/>
-              </a:spcAft>
-              <a:buClr>
-                <a:srgbClr val="000000"/>
-              </a:buClr>
-              <a:buFont typeface="Arial"/>
-              <a:defRPr sz="1400" b="0" i="0" u="none" strike="noStrike" cap="none">
-                <a:solidFill>
-                  <a:srgbClr val="000000"/>
-                </a:solidFill>
-                <a:latin typeface="Arial"/>
-                <a:ea typeface="Arial"/>
-                <a:cs typeface="Arial"/>
-                <a:sym typeface="Arial"/>
-              </a:defRPr>
-            </a:lvl2pPr>
-            <a:lvl3pPr marR="0" lvl="2" algn="l" rtl="0">
-              <a:lnSpc>
-                <a:spcPct val="100000"/>
-              </a:lnSpc>
-              <a:spcBef>
-                <a:spcPts val="0"/>
-              </a:spcBef>
-              <a:spcAft>
-                <a:spcPts val="0"/>
-              </a:spcAft>
-              <a:buClr>
-                <a:srgbClr val="000000"/>
-              </a:buClr>
-              <a:buFont typeface="Arial"/>
-              <a:defRPr sz="1400" b="0" i="0" u="none" strike="noStrike" cap="none">
-                <a:solidFill>
-                  <a:srgbClr val="000000"/>
-                </a:solidFill>
-                <a:latin typeface="Arial"/>
-                <a:ea typeface="Arial"/>
-                <a:cs typeface="Arial"/>
-                <a:sym typeface="Arial"/>
-              </a:defRPr>
-            </a:lvl3pPr>
-            <a:lvl4pPr marR="0" lvl="3" algn="l" rtl="0">
-              <a:lnSpc>
-                <a:spcPct val="100000"/>
-              </a:lnSpc>
-              <a:spcBef>
-                <a:spcPts val="0"/>
-              </a:spcBef>
-              <a:spcAft>
-                <a:spcPts val="0"/>
-              </a:spcAft>
-              <a:buClr>
-                <a:srgbClr val="000000"/>
-              </a:buClr>
-              <a:buFont typeface="Arial"/>
-              <a:defRPr sz="1400" b="0" i="0" u="none" strike="noStrike" cap="none">
-                <a:solidFill>
-                  <a:srgbClr val="000000"/>
-                </a:solidFill>
-                <a:latin typeface="Arial"/>
-                <a:ea typeface="Arial"/>
-                <a:cs typeface="Arial"/>
-                <a:sym typeface="Arial"/>
-              </a:defRPr>
-            </a:lvl4pPr>
-            <a:lvl5pPr marR="0" lvl="4" algn="l" rtl="0">
-              <a:lnSpc>
-                <a:spcPct val="100000"/>
-              </a:lnSpc>
-              <a:spcBef>
-                <a:spcPts val="0"/>
-              </a:spcBef>
-              <a:spcAft>
-                <a:spcPts val="0"/>
-              </a:spcAft>
-              <a:buClr>
-                <a:srgbClr val="000000"/>
-              </a:buClr>
-              <a:buFont typeface="Arial"/>
-              <a:defRPr sz="1400" b="0" i="0" u="none" strike="noStrike" cap="none">
-                <a:solidFill>
-                  <a:srgbClr val="000000"/>
-                </a:solidFill>
-                <a:latin typeface="Arial"/>
-                <a:ea typeface="Arial"/>
-                <a:cs typeface="Arial"/>
-                <a:sym typeface="Arial"/>
-              </a:defRPr>
-            </a:lvl5pPr>
-            <a:lvl6pPr marR="0" lvl="5" algn="l" rtl="0">
-              <a:lnSpc>
-                <a:spcPct val="100000"/>
-              </a:lnSpc>
-              <a:spcBef>
-                <a:spcPts val="0"/>
-              </a:spcBef>
-              <a:spcAft>
-                <a:spcPts val="0"/>
-              </a:spcAft>
-              <a:buClr>
-                <a:srgbClr val="000000"/>
-              </a:buClr>
-              <a:buFont typeface="Arial"/>
-              <a:defRPr sz="1400" b="0" i="0" u="none" strike="noStrike" cap="none">
-                <a:solidFill>
-                  <a:srgbClr val="000000"/>
-                </a:solidFill>
-                <a:latin typeface="Arial"/>
-                <a:ea typeface="Arial"/>
-                <a:cs typeface="Arial"/>
-                <a:sym typeface="Arial"/>
-              </a:defRPr>
-            </a:lvl6pPr>
-            <a:lvl7pPr marR="0" lvl="6" algn="l" rtl="0">
-              <a:lnSpc>
-                <a:spcPct val="100000"/>
-              </a:lnSpc>
-              <a:spcBef>
-                <a:spcPts val="0"/>
-              </a:spcBef>
-              <a:spcAft>
-                <a:spcPts val="0"/>
-              </a:spcAft>
-              <a:buClr>
-                <a:srgbClr val="000000"/>
-              </a:buClr>
-              <a:buFont typeface="Arial"/>
-              <a:defRPr sz="1400" b="0" i="0" u="none" strike="noStrike" cap="none">
-                <a:solidFill>
-                  <a:srgbClr val="000000"/>
-                </a:solidFill>
-                <a:latin typeface="Arial"/>
-                <a:ea typeface="Arial"/>
-                <a:cs typeface="Arial"/>
-                <a:sym typeface="Arial"/>
-              </a:defRPr>
-            </a:lvl7pPr>
-            <a:lvl8pPr marR="0" lvl="7" algn="l" rtl="0">
-              <a:lnSpc>
-                <a:spcPct val="100000"/>
-              </a:lnSpc>
-              <a:spcBef>
-                <a:spcPts val="0"/>
-              </a:spcBef>
-              <a:spcAft>
-                <a:spcPts val="0"/>
-              </a:spcAft>
-              <a:buClr>
-                <a:srgbClr val="000000"/>
-              </a:buClr>
-              <a:buFont typeface="Arial"/>
-              <a:defRPr sz="1400" b="0" i="0" u="none" strike="noStrike" cap="none">
-                <a:solidFill>
-                  <a:srgbClr val="000000"/>
-                </a:solidFill>
-                <a:latin typeface="Arial"/>
-                <a:ea typeface="Arial"/>
-                <a:cs typeface="Arial"/>
-                <a:sym typeface="Arial"/>
-              </a:defRPr>
-            </a:lvl8pPr>
-            <a:lvl9pPr marR="0" lvl="8" algn="l" rtl="0">
-              <a:lnSpc>
-                <a:spcPct val="100000"/>
-              </a:lnSpc>
-              <a:spcBef>
-                <a:spcPts val="0"/>
-              </a:spcBef>
-              <a:spcAft>
-                <a:spcPts val="0"/>
-              </a:spcAft>
-              <a:buClr>
-                <a:srgbClr val="000000"/>
-              </a:buClr>
-              <a:buFont typeface="Arial"/>
-              <a:defRPr sz="1400" b="0" i="0" u="none" strike="noStrike" cap="none">
-                <a:solidFill>
-                  <a:srgbClr val="000000"/>
-                </a:solidFill>
-                <a:latin typeface="Arial"/>
-                <a:ea typeface="Arial"/>
-                <a:cs typeface="Arial"/>
-                <a:sym typeface="Arial"/>
-              </a:defRPr>
-            </a:lvl9pPr>
-          </a:lstStyle>
-          <a:p>
-            <a:pPr algn="ctr"/>
-            <a:r>
-              <a:rPr lang="fr-FR" sz="3000" dirty="0">
-                <a:solidFill>
-                  <a:schemeClr val="lt1"/>
-                </a:solidFill>
-                <a:latin typeface="Roboto Black"/>
-                <a:ea typeface="Roboto Black"/>
-                <a:sym typeface="Roboto Black"/>
-              </a:rPr>
-              <a:t>S</a:t>
-            </a:r>
-            <a:r>
-              <a:rPr lang="fr-CH" sz="3000" dirty="0">
-                <a:solidFill>
-                  <a:schemeClr val="lt1"/>
-                </a:solidFill>
-                <a:latin typeface="Roboto Black"/>
-                <a:ea typeface="Roboto Black"/>
-                <a:sym typeface="Roboto Black"/>
-              </a:rPr>
-              <a:t>ERVICES</a:t>
-            </a:r>
-          </a:p>
-        </p:txBody>
-      </p:sp>
-      <p:cxnSp>
-        <p:nvCxnSpPr>
-          <p:cNvPr id="14" name="Google Shape;291;p25">
-            <a:extLst>
-              <a:ext uri="{FF2B5EF4-FFF2-40B4-BE49-F238E27FC236}">
-                <a16:creationId xmlns:a16="http://schemas.microsoft.com/office/drawing/2014/main" id="{C6375AB4-2C78-54BC-0BEA-885CF190423C}"/>
-              </a:ext>
-            </a:extLst>
-          </p:cNvPr>
-          <p:cNvCxnSpPr/>
-          <p:nvPr/>
-        </p:nvCxnSpPr>
-        <p:spPr>
-          <a:xfrm>
-            <a:off x="311700" y="1191700"/>
-            <a:ext cx="8520600" cy="0"/>
-          </a:xfrm>
-          <a:prstGeom prst="straightConnector1">
-            <a:avLst/>
-          </a:prstGeom>
-          <a:noFill/>
-          <a:ln w="9525" cap="flat" cmpd="sng">
-            <a:solidFill>
-              <a:schemeClr val="accent1"/>
-            </a:solidFill>
-            <a:prstDash val="solid"/>
-            <a:round/>
-            <a:headEnd type="none" w="med" len="med"/>
-            <a:tailEnd type="none" w="med" len="med"/>
-          </a:ln>
-        </p:spPr>
-      </p:cxnSp>
-      <p:sp>
-        <p:nvSpPr>
-          <p:cNvPr id="3" name="ZoneTexte 2">
-            <a:extLst>
-              <a:ext uri="{FF2B5EF4-FFF2-40B4-BE49-F238E27FC236}">
-                <a16:creationId xmlns:a16="http://schemas.microsoft.com/office/drawing/2014/main" id="{0CDE01B0-59D5-3996-4491-7E37FB49E159}"/>
-              </a:ext>
-            </a:extLst>
-          </p:cNvPr>
-          <p:cNvSpPr txBox="1"/>
-          <p:nvPr/>
-        </p:nvSpPr>
-        <p:spPr>
-          <a:xfrm>
-            <a:off x="8728597" y="120369"/>
-            <a:ext cx="298525" cy="307777"/>
-          </a:xfrm>
-          <a:prstGeom prst="rect">
-            <a:avLst/>
-          </a:prstGeom>
-          <a:noFill/>
-        </p:spPr>
-        <p:txBody>
-          <a:bodyPr wrap="square" rtlCol="0">
-            <a:spAutoFit/>
-          </a:bodyPr>
-          <a:lstStyle/>
-          <a:p>
-            <a:fld id="{DB49A75C-AE3B-4BBF-9267-239D862731C8}" type="slidenum">
-              <a:rPr lang="fr-FR" smtClean="0">
-                <a:solidFill>
-                  <a:schemeClr val="bg1"/>
-                </a:solidFill>
-              </a:rPr>
-              <a:t>8</a:t>
-            </a:fld>
-            <a:endParaRPr lang="fr-CH" dirty="0">
-              <a:solidFill>
-                <a:schemeClr val="bg1"/>
-              </a:solidFill>
-            </a:endParaRPr>
-          </a:p>
-        </p:txBody>
-      </p:sp>
-    </p:spTree>
-    <p:extLst>
-      <p:ext uri="{BB962C8B-B14F-4D97-AF65-F5344CB8AC3E}">
-        <p14:creationId xmlns:p14="http://schemas.microsoft.com/office/powerpoint/2010/main" val="2102736935"/>
-      </p:ext>
-    </p:extLst>
-  </p:cSld>
-  <p:clrMapOvr>
-    <a:masterClrMapping/>
-  </p:clrMapOvr>
-</p:sld>
-</file>
-
-<file path=ppt/slides/slide9.xml><?xml version="1.0" encoding="utf-8"?>
-<p:sld xmlns:a="http://schemas.openxmlformats.org/drawingml/2006/main" xmlns:r="http://schemas.openxmlformats.org/officeDocument/2006/relationships" xmlns:p="http://schemas.openxmlformats.org/presentationml/2006/main">
-  <p:cSld>
-    <p:spTree>
-      <p:nvGrpSpPr>
-        <p:cNvPr id="1" name="Shape 665"/>
-        <p:cNvGrpSpPr/>
-        <p:nvPr/>
-      </p:nvGrpSpPr>
-      <p:grpSpPr>
-        <a:xfrm>
-          <a:off x="0" y="0"/>
-          <a:ext cx="0" cy="0"/>
-          <a:chOff x="0" y="0"/>
-          <a:chExt cx="0" cy="0"/>
-        </a:xfrm>
-      </p:grpSpPr>
-      <p:sp>
-        <p:nvSpPr>
-          <p:cNvPr id="6" name="ZoneTexte 5">
-            <a:extLst>
-              <a:ext uri="{FF2B5EF4-FFF2-40B4-BE49-F238E27FC236}">
-                <a16:creationId xmlns:a16="http://schemas.microsoft.com/office/drawing/2014/main" id="{BF9549DC-C62D-B348-8103-C008E36520B0}"/>
-              </a:ext>
-            </a:extLst>
-          </p:cNvPr>
-          <p:cNvSpPr txBox="1"/>
-          <p:nvPr/>
-        </p:nvSpPr>
-        <p:spPr>
-          <a:xfrm>
-            <a:off x="574510" y="1626330"/>
             <a:ext cx="2959465" cy="1990288"/>
           </a:xfrm>
           <a:prstGeom prst="rect">
@@ -51044,6 +50521,529 @@
                   <a:schemeClr val="bg1"/>
                 </a:solidFill>
               </a:rPr>
+              <a:t>8</a:t>
+            </a:fld>
+            <a:endParaRPr lang="fr-CH" dirty="0">
+              <a:solidFill>
+                <a:schemeClr val="bg1"/>
+              </a:solidFill>
+            </a:endParaRPr>
+          </a:p>
+        </p:txBody>
+      </p:sp>
+    </p:spTree>
+    <p:extLst>
+      <p:ext uri="{BB962C8B-B14F-4D97-AF65-F5344CB8AC3E}">
+        <p14:creationId xmlns:p14="http://schemas.microsoft.com/office/powerpoint/2010/main" val="2395957187"/>
+      </p:ext>
+    </p:extLst>
+  </p:cSld>
+  <p:clrMapOvr>
+    <a:masterClrMapping/>
+  </p:clrMapOvr>
+</p:sld>
+</file>
+
+<file path=ppt/slides/slide9.xml><?xml version="1.0" encoding="utf-8"?>
+<p:sld xmlns:a="http://schemas.openxmlformats.org/drawingml/2006/main" xmlns:r="http://schemas.openxmlformats.org/officeDocument/2006/relationships" xmlns:p="http://schemas.openxmlformats.org/presentationml/2006/main">
+  <p:cSld>
+    <p:spTree>
+      <p:nvGrpSpPr>
+        <p:cNvPr id="1" name="Shape 665"/>
+        <p:cNvGrpSpPr/>
+        <p:nvPr/>
+      </p:nvGrpSpPr>
+      <p:grpSpPr>
+        <a:xfrm>
+          <a:off x="0" y="0"/>
+          <a:ext cx="0" cy="0"/>
+          <a:chOff x="0" y="0"/>
+          <a:chExt cx="0" cy="0"/>
+        </a:xfrm>
+      </p:grpSpPr>
+      <p:sp>
+        <p:nvSpPr>
+          <p:cNvPr id="6" name="ZoneTexte 5">
+            <a:extLst>
+              <a:ext uri="{FF2B5EF4-FFF2-40B4-BE49-F238E27FC236}">
+                <a16:creationId xmlns:a16="http://schemas.microsoft.com/office/drawing/2014/main" id="{BF9549DC-C62D-B348-8103-C008E36520B0}"/>
+              </a:ext>
+            </a:extLst>
+          </p:cNvPr>
+          <p:cNvSpPr txBox="1"/>
+          <p:nvPr/>
+        </p:nvSpPr>
+        <p:spPr>
+          <a:xfrm>
+            <a:off x="574510" y="1626330"/>
+            <a:ext cx="1915909" cy="1990288"/>
+          </a:xfrm>
+          <a:prstGeom prst="rect">
+            <a:avLst/>
+          </a:prstGeom>
+          <a:noFill/>
+        </p:spPr>
+        <p:txBody>
+          <a:bodyPr wrap="none" rtlCol="0">
+            <a:spAutoFit/>
+          </a:bodyPr>
+          <a:lstStyle/>
+          <a:p>
+            <a:pPr marL="285750" indent="-285750">
+              <a:lnSpc>
+                <a:spcPct val="200000"/>
+              </a:lnSpc>
+              <a:buClr>
+                <a:schemeClr val="bg1"/>
+              </a:buClr>
+              <a:buFont typeface="Arial" panose="020B0604020202020204" pitchFamily="34" charset="0"/>
+              <a:buChar char="•"/>
+            </a:pPr>
+            <a:r>
+              <a:rPr lang="fr-CH" sz="1600" dirty="0">
+                <a:solidFill>
+                  <a:schemeClr val="bg1"/>
+                </a:solidFill>
+                <a:latin typeface="Roboto Light" panose="02000000000000000000" pitchFamily="2" charset="0"/>
+                <a:ea typeface="Roboto Light" panose="02000000000000000000" pitchFamily="2" charset="0"/>
+              </a:rPr>
+              <a:t>Service de mail</a:t>
+            </a:r>
+          </a:p>
+          <a:p>
+            <a:pPr marL="285750" indent="-285750">
+              <a:lnSpc>
+                <a:spcPct val="200000"/>
+              </a:lnSpc>
+              <a:buClr>
+                <a:schemeClr val="bg1"/>
+              </a:buClr>
+              <a:buFont typeface="Arial" panose="020B0604020202020204" pitchFamily="34" charset="0"/>
+              <a:buChar char="•"/>
+            </a:pPr>
+            <a:r>
+              <a:rPr lang="fr-CH" sz="1600" dirty="0">
+                <a:solidFill>
+                  <a:schemeClr val="bg1"/>
+                </a:solidFill>
+                <a:latin typeface="Roboto Light" panose="02000000000000000000" pitchFamily="2" charset="0"/>
+                <a:ea typeface="Roboto Light" panose="02000000000000000000" pitchFamily="2" charset="0"/>
+              </a:rPr>
+              <a:t>Imagekit.io</a:t>
+            </a:r>
+          </a:p>
+          <a:p>
+            <a:pPr marL="285750" indent="-285750">
+              <a:lnSpc>
+                <a:spcPct val="200000"/>
+              </a:lnSpc>
+              <a:buClr>
+                <a:schemeClr val="bg1"/>
+              </a:buClr>
+              <a:buFont typeface="Arial" panose="020B0604020202020204" pitchFamily="34" charset="0"/>
+              <a:buChar char="•"/>
+            </a:pPr>
+            <a:r>
+              <a:rPr lang="fr-CH" sz="1600" dirty="0">
+                <a:solidFill>
+                  <a:schemeClr val="bg1"/>
+                </a:solidFill>
+                <a:latin typeface="Roboto Light" panose="02000000000000000000" pitchFamily="2" charset="0"/>
+                <a:ea typeface="Roboto Light" panose="02000000000000000000" pitchFamily="2" charset="0"/>
+              </a:rPr>
+              <a:t>Extensions</a:t>
+            </a:r>
+          </a:p>
+          <a:p>
+            <a:pPr marL="285750" indent="-285750">
+              <a:lnSpc>
+                <a:spcPct val="200000"/>
+              </a:lnSpc>
+              <a:buClr>
+                <a:schemeClr val="bg1"/>
+              </a:buClr>
+              <a:buFont typeface="Arial" panose="020B0604020202020204" pitchFamily="34" charset="0"/>
+              <a:buChar char="•"/>
+            </a:pPr>
+            <a:r>
+              <a:rPr lang="fr-CH" sz="1600" dirty="0">
+                <a:solidFill>
+                  <a:schemeClr val="bg1"/>
+                </a:solidFill>
+                <a:latin typeface="Roboto Light" panose="02000000000000000000" pitchFamily="2" charset="0"/>
+                <a:ea typeface="Roboto Light" panose="02000000000000000000" pitchFamily="2" charset="0"/>
+              </a:rPr>
+              <a:t>Service de </a:t>
+            </a:r>
+            <a:r>
+              <a:rPr lang="fr-CH" sz="1600" dirty="0" err="1">
+                <a:solidFill>
+                  <a:schemeClr val="bg1"/>
+                </a:solidFill>
+                <a:latin typeface="Roboto Light" panose="02000000000000000000" pitchFamily="2" charset="0"/>
+                <a:ea typeface="Roboto Light" panose="02000000000000000000" pitchFamily="2" charset="0"/>
+              </a:rPr>
+              <a:t>timer</a:t>
+            </a:r>
+            <a:endParaRPr lang="fr-CH" sz="1600" dirty="0">
+              <a:solidFill>
+                <a:schemeClr val="bg1"/>
+              </a:solidFill>
+              <a:latin typeface="Roboto Light" panose="02000000000000000000" pitchFamily="2" charset="0"/>
+              <a:ea typeface="Roboto Light" panose="02000000000000000000" pitchFamily="2" charset="0"/>
+            </a:endParaRPr>
+          </a:p>
+        </p:txBody>
+      </p:sp>
+      <p:sp>
+        <p:nvSpPr>
+          <p:cNvPr id="13" name="Google Shape;275;p25">
+            <a:extLst>
+              <a:ext uri="{FF2B5EF4-FFF2-40B4-BE49-F238E27FC236}">
+                <a16:creationId xmlns:a16="http://schemas.microsoft.com/office/drawing/2014/main" id="{2994E3C9-F746-AFFF-36D3-EB172F1434A3}"/>
+              </a:ext>
+            </a:extLst>
+          </p:cNvPr>
+          <p:cNvSpPr txBox="1">
+            <a:spLocks/>
+          </p:cNvSpPr>
+          <p:nvPr/>
+        </p:nvSpPr>
+        <p:spPr>
+          <a:xfrm>
+            <a:off x="311700" y="644550"/>
+            <a:ext cx="8520600" cy="606600"/>
+          </a:xfrm>
+          <a:prstGeom prst="rect">
+            <a:avLst/>
+          </a:prstGeom>
+        </p:spPr>
+        <p:txBody>
+          <a:bodyPr spcFirstLastPara="1" wrap="square" lIns="91425" tIns="91425" rIns="91425" bIns="91425" anchor="b" anchorCtr="0">
+            <a:noAutofit/>
+          </a:bodyPr>
+          <a:lstStyle>
+            <a:defPPr marR="0" lvl="0" algn="l" rtl="0">
+              <a:lnSpc>
+                <a:spcPct val="100000"/>
+              </a:lnSpc>
+              <a:spcBef>
+                <a:spcPts val="0"/>
+              </a:spcBef>
+              <a:spcAft>
+                <a:spcPts val="0"/>
+              </a:spcAft>
+            </a:defPPr>
+            <a:lvl1pPr marR="0" lvl="0" algn="l" rtl="0">
+              <a:lnSpc>
+                <a:spcPct val="100000"/>
+              </a:lnSpc>
+              <a:spcBef>
+                <a:spcPts val="0"/>
+              </a:spcBef>
+              <a:spcAft>
+                <a:spcPts val="0"/>
+              </a:spcAft>
+              <a:buClr>
+                <a:srgbClr val="000000"/>
+              </a:buClr>
+              <a:buFont typeface="Arial"/>
+              <a:defRPr sz="1400" b="0" i="0" u="none" strike="noStrike" cap="none">
+                <a:solidFill>
+                  <a:srgbClr val="000000"/>
+                </a:solidFill>
+                <a:latin typeface="Arial"/>
+                <a:ea typeface="Arial"/>
+                <a:cs typeface="Arial"/>
+                <a:sym typeface="Arial"/>
+              </a:defRPr>
+            </a:lvl1pPr>
+            <a:lvl2pPr marR="0" lvl="1" algn="l" rtl="0">
+              <a:lnSpc>
+                <a:spcPct val="100000"/>
+              </a:lnSpc>
+              <a:spcBef>
+                <a:spcPts val="0"/>
+              </a:spcBef>
+              <a:spcAft>
+                <a:spcPts val="0"/>
+              </a:spcAft>
+              <a:buClr>
+                <a:srgbClr val="000000"/>
+              </a:buClr>
+              <a:buFont typeface="Arial"/>
+              <a:defRPr sz="1400" b="0" i="0" u="none" strike="noStrike" cap="none">
+                <a:solidFill>
+                  <a:srgbClr val="000000"/>
+                </a:solidFill>
+                <a:latin typeface="Arial"/>
+                <a:ea typeface="Arial"/>
+                <a:cs typeface="Arial"/>
+                <a:sym typeface="Arial"/>
+              </a:defRPr>
+            </a:lvl2pPr>
+            <a:lvl3pPr marR="0" lvl="2" algn="l" rtl="0">
+              <a:lnSpc>
+                <a:spcPct val="100000"/>
+              </a:lnSpc>
+              <a:spcBef>
+                <a:spcPts val="0"/>
+              </a:spcBef>
+              <a:spcAft>
+                <a:spcPts val="0"/>
+              </a:spcAft>
+              <a:buClr>
+                <a:srgbClr val="000000"/>
+              </a:buClr>
+              <a:buFont typeface="Arial"/>
+              <a:defRPr sz="1400" b="0" i="0" u="none" strike="noStrike" cap="none">
+                <a:solidFill>
+                  <a:srgbClr val="000000"/>
+                </a:solidFill>
+                <a:latin typeface="Arial"/>
+                <a:ea typeface="Arial"/>
+                <a:cs typeface="Arial"/>
+                <a:sym typeface="Arial"/>
+              </a:defRPr>
+            </a:lvl3pPr>
+            <a:lvl4pPr marR="0" lvl="3" algn="l" rtl="0">
+              <a:lnSpc>
+                <a:spcPct val="100000"/>
+              </a:lnSpc>
+              <a:spcBef>
+                <a:spcPts val="0"/>
+              </a:spcBef>
+              <a:spcAft>
+                <a:spcPts val="0"/>
+              </a:spcAft>
+              <a:buClr>
+                <a:srgbClr val="000000"/>
+              </a:buClr>
+              <a:buFont typeface="Arial"/>
+              <a:defRPr sz="1400" b="0" i="0" u="none" strike="noStrike" cap="none">
+                <a:solidFill>
+                  <a:srgbClr val="000000"/>
+                </a:solidFill>
+                <a:latin typeface="Arial"/>
+                <a:ea typeface="Arial"/>
+                <a:cs typeface="Arial"/>
+                <a:sym typeface="Arial"/>
+              </a:defRPr>
+            </a:lvl4pPr>
+            <a:lvl5pPr marR="0" lvl="4" algn="l" rtl="0">
+              <a:lnSpc>
+                <a:spcPct val="100000"/>
+              </a:lnSpc>
+              <a:spcBef>
+                <a:spcPts val="0"/>
+              </a:spcBef>
+              <a:spcAft>
+                <a:spcPts val="0"/>
+              </a:spcAft>
+              <a:buClr>
+                <a:srgbClr val="000000"/>
+              </a:buClr>
+              <a:buFont typeface="Arial"/>
+              <a:defRPr sz="1400" b="0" i="0" u="none" strike="noStrike" cap="none">
+                <a:solidFill>
+                  <a:srgbClr val="000000"/>
+                </a:solidFill>
+                <a:latin typeface="Arial"/>
+                <a:ea typeface="Arial"/>
+                <a:cs typeface="Arial"/>
+                <a:sym typeface="Arial"/>
+              </a:defRPr>
+            </a:lvl5pPr>
+            <a:lvl6pPr marR="0" lvl="5" algn="l" rtl="0">
+              <a:lnSpc>
+                <a:spcPct val="100000"/>
+              </a:lnSpc>
+              <a:spcBef>
+                <a:spcPts val="0"/>
+              </a:spcBef>
+              <a:spcAft>
+                <a:spcPts val="0"/>
+              </a:spcAft>
+              <a:buClr>
+                <a:srgbClr val="000000"/>
+              </a:buClr>
+              <a:buFont typeface="Arial"/>
+              <a:defRPr sz="1400" b="0" i="0" u="none" strike="noStrike" cap="none">
+                <a:solidFill>
+                  <a:srgbClr val="000000"/>
+                </a:solidFill>
+                <a:latin typeface="Arial"/>
+                <a:ea typeface="Arial"/>
+                <a:cs typeface="Arial"/>
+                <a:sym typeface="Arial"/>
+              </a:defRPr>
+            </a:lvl6pPr>
+            <a:lvl7pPr marR="0" lvl="6" algn="l" rtl="0">
+              <a:lnSpc>
+                <a:spcPct val="100000"/>
+              </a:lnSpc>
+              <a:spcBef>
+                <a:spcPts val="0"/>
+              </a:spcBef>
+              <a:spcAft>
+                <a:spcPts val="0"/>
+              </a:spcAft>
+              <a:buClr>
+                <a:srgbClr val="000000"/>
+              </a:buClr>
+              <a:buFont typeface="Arial"/>
+              <a:defRPr sz="1400" b="0" i="0" u="none" strike="noStrike" cap="none">
+                <a:solidFill>
+                  <a:srgbClr val="000000"/>
+                </a:solidFill>
+                <a:latin typeface="Arial"/>
+                <a:ea typeface="Arial"/>
+                <a:cs typeface="Arial"/>
+                <a:sym typeface="Arial"/>
+              </a:defRPr>
+            </a:lvl7pPr>
+            <a:lvl8pPr marR="0" lvl="7" algn="l" rtl="0">
+              <a:lnSpc>
+                <a:spcPct val="100000"/>
+              </a:lnSpc>
+              <a:spcBef>
+                <a:spcPts val="0"/>
+              </a:spcBef>
+              <a:spcAft>
+                <a:spcPts val="0"/>
+              </a:spcAft>
+              <a:buClr>
+                <a:srgbClr val="000000"/>
+              </a:buClr>
+              <a:buFont typeface="Arial"/>
+              <a:defRPr sz="1400" b="0" i="0" u="none" strike="noStrike" cap="none">
+                <a:solidFill>
+                  <a:srgbClr val="000000"/>
+                </a:solidFill>
+                <a:latin typeface="Arial"/>
+                <a:ea typeface="Arial"/>
+                <a:cs typeface="Arial"/>
+                <a:sym typeface="Arial"/>
+              </a:defRPr>
+            </a:lvl8pPr>
+            <a:lvl9pPr marR="0" lvl="8" algn="l" rtl="0">
+              <a:lnSpc>
+                <a:spcPct val="100000"/>
+              </a:lnSpc>
+              <a:spcBef>
+                <a:spcPts val="0"/>
+              </a:spcBef>
+              <a:spcAft>
+                <a:spcPts val="0"/>
+              </a:spcAft>
+              <a:buClr>
+                <a:srgbClr val="000000"/>
+              </a:buClr>
+              <a:buFont typeface="Arial"/>
+              <a:defRPr sz="1400" b="0" i="0" u="none" strike="noStrike" cap="none">
+                <a:solidFill>
+                  <a:srgbClr val="000000"/>
+                </a:solidFill>
+                <a:latin typeface="Arial"/>
+                <a:ea typeface="Arial"/>
+                <a:cs typeface="Arial"/>
+                <a:sym typeface="Arial"/>
+              </a:defRPr>
+            </a:lvl9pPr>
+          </a:lstStyle>
+          <a:p>
+            <a:pPr algn="ctr"/>
+            <a:r>
+              <a:rPr lang="fr-FR" sz="3000" dirty="0">
+                <a:solidFill>
+                  <a:schemeClr val="lt1"/>
+                </a:solidFill>
+                <a:latin typeface="Roboto Black"/>
+                <a:ea typeface="Roboto Black"/>
+                <a:sym typeface="Roboto Black"/>
+              </a:rPr>
+              <a:t>S</a:t>
+            </a:r>
+            <a:r>
+              <a:rPr lang="fr-CH" sz="3000" dirty="0">
+                <a:solidFill>
+                  <a:schemeClr val="lt1"/>
+                </a:solidFill>
+                <a:latin typeface="Roboto Black"/>
+                <a:ea typeface="Roboto Black"/>
+                <a:sym typeface="Roboto Black"/>
+              </a:rPr>
+              <a:t>ERVICES</a:t>
+            </a:r>
+          </a:p>
+        </p:txBody>
+      </p:sp>
+      <p:cxnSp>
+        <p:nvCxnSpPr>
+          <p:cNvPr id="14" name="Google Shape;291;p25">
+            <a:extLst>
+              <a:ext uri="{FF2B5EF4-FFF2-40B4-BE49-F238E27FC236}">
+                <a16:creationId xmlns:a16="http://schemas.microsoft.com/office/drawing/2014/main" id="{C6375AB4-2C78-54BC-0BEA-885CF190423C}"/>
+              </a:ext>
+            </a:extLst>
+          </p:cNvPr>
+          <p:cNvCxnSpPr/>
+          <p:nvPr/>
+        </p:nvCxnSpPr>
+        <p:spPr>
+          <a:xfrm>
+            <a:off x="311700" y="1191700"/>
+            <a:ext cx="8520600" cy="0"/>
+          </a:xfrm>
+          <a:prstGeom prst="straightConnector1">
+            <a:avLst/>
+          </a:prstGeom>
+          <a:noFill/>
+          <a:ln w="9525" cap="flat" cmpd="sng">
+            <a:solidFill>
+              <a:schemeClr val="accent1"/>
+            </a:solidFill>
+            <a:prstDash val="solid"/>
+            <a:round/>
+            <a:headEnd type="none" w="med" len="med"/>
+            <a:tailEnd type="none" w="med" len="med"/>
+          </a:ln>
+        </p:spPr>
+      </p:cxnSp>
+      <p:sp>
+        <p:nvSpPr>
+          <p:cNvPr id="3" name="ZoneTexte 2">
+            <a:extLst>
+              <a:ext uri="{FF2B5EF4-FFF2-40B4-BE49-F238E27FC236}">
+                <a16:creationId xmlns:a16="http://schemas.microsoft.com/office/drawing/2014/main" id="{0CDE01B0-59D5-3996-4491-7E37FB49E159}"/>
+              </a:ext>
+            </a:extLst>
+          </p:cNvPr>
+          <p:cNvSpPr txBox="1"/>
+          <p:nvPr/>
+        </p:nvSpPr>
+        <p:spPr>
+          <a:xfrm>
+            <a:off x="8728597" y="120369"/>
+            <a:ext cx="298525" cy="307777"/>
+          </a:xfrm>
+          <a:prstGeom prst="rect">
+            <a:avLst/>
+          </a:prstGeom>
+          <a:noFill/>
+        </p:spPr>
+        <p:txBody>
+          <a:bodyPr wrap="square" rtlCol="0">
+            <a:spAutoFit/>
+          </a:bodyPr>
+          <a:lstStyle/>
+          <a:p>
+            <a:fld id="{DB49A75C-AE3B-4BBF-9267-239D862731C8}" type="slidenum">
+              <a:rPr lang="fr-FR" smtClean="0">
+                <a:solidFill>
+                  <a:schemeClr val="bg1"/>
+                </a:solidFill>
+              </a:rPr>
               <a:t>9</a:t>
             </a:fld>
             <a:endParaRPr lang="fr-CH" dirty="0">
@@ -51057,7 +51057,7 @@
     </p:spTree>
     <p:extLst>
       <p:ext uri="{BB962C8B-B14F-4D97-AF65-F5344CB8AC3E}">
-        <p14:creationId xmlns:p14="http://schemas.microsoft.com/office/powerpoint/2010/main" val="2395957187"/>
+        <p14:creationId xmlns:p14="http://schemas.microsoft.com/office/powerpoint/2010/main" val="2102736935"/>
       </p:ext>
     </p:extLst>
   </p:cSld>
